--- a/Data_Analysis.pptx
+++ b/Data_Analysis.pptx
@@ -10,9 +10,10 @@
     <p:sldId id="258" r:id="rId4"/>
     <p:sldId id="262" r:id="rId5"/>
     <p:sldId id="263" r:id="rId6"/>
-    <p:sldId id="259" r:id="rId7"/>
-    <p:sldId id="260" r:id="rId8"/>
-    <p:sldId id="261" r:id="rId9"/>
+    <p:sldId id="264" r:id="rId7"/>
+    <p:sldId id="259" r:id="rId8"/>
+    <p:sldId id="260" r:id="rId9"/>
+    <p:sldId id="261" r:id="rId10"/>
   </p:sldIdLst>
   <p:sldSz cx="9144000" cy="6858000" type="screen4x3"/>
   <p:notesSz cx="6858000" cy="9144000"/>
@@ -112,632 +113,6 @@
     </a:lvl9pPr>
   </p:defaultTextStyle>
 </p:presentation>
-</file>
-
-<file path=ppt/charts/chart1.xml><?xml version="1.0" encoding="utf-8"?>
-<c:chartSpace xmlns:c="http://schemas.openxmlformats.org/drawingml/2006/chart" xmlns:a="http://schemas.openxmlformats.org/drawingml/2006/main" xmlns:r="http://schemas.openxmlformats.org/officeDocument/2006/relationships">
-  <c:date1904 val="0"/>
-  <c:lang val="en-US"/>
-  <c:roundedCorners val="0"/>
-  <mc:AlternateContent xmlns:mc="http://schemas.openxmlformats.org/markup-compatibility/2006">
-    <mc:Choice xmlns:c14="http://schemas.microsoft.com/office/drawing/2007/8/2/chart" Requires="c14">
-      <c14:style val="102"/>
-    </mc:Choice>
-    <mc:Fallback>
-      <c:style val="2"/>
-    </mc:Fallback>
-  </mc:AlternateContent>
-  <c:pivotSource>
-    <c:name>[time_series_dataset_sample.xlsx]Analysis_time!PivotTable2</c:name>
-    <c:fmtId val="4"/>
-  </c:pivotSource>
-  <c:chart>
-    <c:autoTitleDeleted val="0"/>
-    <c:pivotFmts>
-      <c:pivotFmt>
-        <c:idx val="0"/>
-        <c:marker>
-          <c:symbol val="none"/>
-        </c:marker>
-      </c:pivotFmt>
-      <c:pivotFmt>
-        <c:idx val="1"/>
-        <c:marker>
-          <c:symbol val="none"/>
-        </c:marker>
-      </c:pivotFmt>
-      <c:pivotFmt>
-        <c:idx val="2"/>
-        <c:marker>
-          <c:symbol val="none"/>
-        </c:marker>
-      </c:pivotFmt>
-      <c:pivotFmt>
-        <c:idx val="3"/>
-        <c:marker>
-          <c:symbol val="none"/>
-        </c:marker>
-      </c:pivotFmt>
-      <c:pivotFmt>
-        <c:idx val="4"/>
-        <c:marker>
-          <c:symbol val="none"/>
-        </c:marker>
-      </c:pivotFmt>
-      <c:pivotFmt>
-        <c:idx val="5"/>
-        <c:marker>
-          <c:symbol val="none"/>
-        </c:marker>
-      </c:pivotFmt>
-      <c:pivotFmt>
-        <c:idx val="6"/>
-        <c:marker>
-          <c:symbol val="none"/>
-        </c:marker>
-      </c:pivotFmt>
-      <c:pivotFmt>
-        <c:idx val="7"/>
-        <c:marker>
-          <c:symbol val="none"/>
-        </c:marker>
-      </c:pivotFmt>
-      <c:pivotFmt>
-        <c:idx val="8"/>
-        <c:marker>
-          <c:symbol val="none"/>
-        </c:marker>
-      </c:pivotFmt>
-    </c:pivotFmts>
-    <c:plotArea>
-      <c:layout>
-        <c:manualLayout>
-          <c:layoutTarget val="inner"/>
-          <c:xMode val="edge"/>
-          <c:yMode val="edge"/>
-          <c:x val="0.11819881889763779"/>
-          <c:y val="3.3082583463014591E-2"/>
-          <c:w val="0.64071648495861089"/>
-          <c:h val="0.83715809472571878"/>
-        </c:manualLayout>
-      </c:layout>
-      <c:lineChart>
-        <c:grouping val="standard"/>
-        <c:varyColors val="0"/>
-        <c:ser>
-          <c:idx val="0"/>
-          <c:order val="0"/>
-          <c:tx>
-            <c:strRef>
-              <c:f>Analysis_time!$B$3</c:f>
-              <c:strCache>
-                <c:ptCount val="1"/>
-                <c:pt idx="0">
-                  <c:v>Sum of total_clicks</c:v>
-                </c:pt>
-              </c:strCache>
-            </c:strRef>
-          </c:tx>
-          <c:spPr>
-            <a:ln w="50800"/>
-          </c:spPr>
-          <c:marker>
-            <c:symbol val="none"/>
-          </c:marker>
-          <c:cat>
-            <c:strRef>
-              <c:f>Analysis_time!$A$4:$A$21</c:f>
-              <c:strCache>
-                <c:ptCount val="17"/>
-                <c:pt idx="0">
-                  <c:v>1</c:v>
-                </c:pt>
-                <c:pt idx="1">
-                  <c:v>2</c:v>
-                </c:pt>
-                <c:pt idx="2">
-                  <c:v>3</c:v>
-                </c:pt>
-                <c:pt idx="3">
-                  <c:v>4</c:v>
-                </c:pt>
-                <c:pt idx="4">
-                  <c:v>5</c:v>
-                </c:pt>
-                <c:pt idx="5">
-                  <c:v>6</c:v>
-                </c:pt>
-                <c:pt idx="6">
-                  <c:v>7</c:v>
-                </c:pt>
-                <c:pt idx="7">
-                  <c:v>8</c:v>
-                </c:pt>
-                <c:pt idx="8">
-                  <c:v>9</c:v>
-                </c:pt>
-                <c:pt idx="9">
-                  <c:v>10</c:v>
-                </c:pt>
-                <c:pt idx="10">
-                  <c:v>11</c:v>
-                </c:pt>
-                <c:pt idx="11">
-                  <c:v>12</c:v>
-                </c:pt>
-                <c:pt idx="12">
-                  <c:v>13</c:v>
-                </c:pt>
-                <c:pt idx="13">
-                  <c:v>14</c:v>
-                </c:pt>
-                <c:pt idx="14">
-                  <c:v>15</c:v>
-                </c:pt>
-                <c:pt idx="15">
-                  <c:v>16</c:v>
-                </c:pt>
-                <c:pt idx="16">
-                  <c:v>18</c:v>
-                </c:pt>
-              </c:strCache>
-            </c:strRef>
-          </c:cat>
-          <c:val>
-            <c:numRef>
-              <c:f>Analysis_time!$B$4:$B$21</c:f>
-              <c:numCache>
-                <c:formatCode>General</c:formatCode>
-                <c:ptCount val="17"/>
-                <c:pt idx="0">
-                  <c:v>357481</c:v>
-                </c:pt>
-                <c:pt idx="1">
-                  <c:v>41141</c:v>
-                </c:pt>
-                <c:pt idx="2">
-                  <c:v>90446</c:v>
-                </c:pt>
-                <c:pt idx="3">
-                  <c:v>973722</c:v>
-                </c:pt>
-                <c:pt idx="4">
-                  <c:v>9771</c:v>
-                </c:pt>
-                <c:pt idx="5">
-                  <c:v>1037</c:v>
-                </c:pt>
-                <c:pt idx="6">
-                  <c:v>423</c:v>
-                </c:pt>
-                <c:pt idx="7">
-                  <c:v>89542</c:v>
-                </c:pt>
-                <c:pt idx="8">
-                  <c:v>74866</c:v>
-                </c:pt>
-                <c:pt idx="9">
-                  <c:v>328742</c:v>
-                </c:pt>
-                <c:pt idx="10">
-                  <c:v>4063</c:v>
-                </c:pt>
-                <c:pt idx="11">
-                  <c:v>133</c:v>
-                </c:pt>
-                <c:pt idx="12">
-                  <c:v>60344</c:v>
-                </c:pt>
-                <c:pt idx="13">
-                  <c:v>10910</c:v>
-                </c:pt>
-                <c:pt idx="14">
-                  <c:v>382</c:v>
-                </c:pt>
-                <c:pt idx="15">
-                  <c:v>10344</c:v>
-                </c:pt>
-                <c:pt idx="16">
-                  <c:v>3903</c:v>
-                </c:pt>
-              </c:numCache>
-            </c:numRef>
-          </c:val>
-          <c:smooth val="0"/>
-        </c:ser>
-        <c:ser>
-          <c:idx val="1"/>
-          <c:order val="1"/>
-          <c:tx>
-            <c:strRef>
-              <c:f>Analysis_time!$C$3</c:f>
-              <c:strCache>
-                <c:ptCount val="1"/>
-                <c:pt idx="0">
-                  <c:v>Sum of total_adrequests</c:v>
-                </c:pt>
-              </c:strCache>
-            </c:strRef>
-          </c:tx>
-          <c:marker>
-            <c:symbol val="none"/>
-          </c:marker>
-          <c:cat>
-            <c:strRef>
-              <c:f>Analysis_time!$A$4:$A$21</c:f>
-              <c:strCache>
-                <c:ptCount val="17"/>
-                <c:pt idx="0">
-                  <c:v>1</c:v>
-                </c:pt>
-                <c:pt idx="1">
-                  <c:v>2</c:v>
-                </c:pt>
-                <c:pt idx="2">
-                  <c:v>3</c:v>
-                </c:pt>
-                <c:pt idx="3">
-                  <c:v>4</c:v>
-                </c:pt>
-                <c:pt idx="4">
-                  <c:v>5</c:v>
-                </c:pt>
-                <c:pt idx="5">
-                  <c:v>6</c:v>
-                </c:pt>
-                <c:pt idx="6">
-                  <c:v>7</c:v>
-                </c:pt>
-                <c:pt idx="7">
-                  <c:v>8</c:v>
-                </c:pt>
-                <c:pt idx="8">
-                  <c:v>9</c:v>
-                </c:pt>
-                <c:pt idx="9">
-                  <c:v>10</c:v>
-                </c:pt>
-                <c:pt idx="10">
-                  <c:v>11</c:v>
-                </c:pt>
-                <c:pt idx="11">
-                  <c:v>12</c:v>
-                </c:pt>
-                <c:pt idx="12">
-                  <c:v>13</c:v>
-                </c:pt>
-                <c:pt idx="13">
-                  <c:v>14</c:v>
-                </c:pt>
-                <c:pt idx="14">
-                  <c:v>15</c:v>
-                </c:pt>
-                <c:pt idx="15">
-                  <c:v>16</c:v>
-                </c:pt>
-                <c:pt idx="16">
-                  <c:v>18</c:v>
-                </c:pt>
-              </c:strCache>
-            </c:strRef>
-          </c:cat>
-          <c:val>
-            <c:numRef>
-              <c:f>Analysis_time!$C$4:$C$21</c:f>
-              <c:numCache>
-                <c:formatCode>General</c:formatCode>
-                <c:ptCount val="17"/>
-                <c:pt idx="0">
-                  <c:v>12961387</c:v>
-                </c:pt>
-                <c:pt idx="1">
-                  <c:v>802984</c:v>
-                </c:pt>
-                <c:pt idx="2">
-                  <c:v>10638501</c:v>
-                </c:pt>
-                <c:pt idx="3">
-                  <c:v>15664443</c:v>
-                </c:pt>
-                <c:pt idx="4">
-                  <c:v>1799234</c:v>
-                </c:pt>
-                <c:pt idx="5">
-                  <c:v>120793</c:v>
-                </c:pt>
-                <c:pt idx="6">
-                  <c:v>32006</c:v>
-                </c:pt>
-                <c:pt idx="7">
-                  <c:v>805169</c:v>
-                </c:pt>
-                <c:pt idx="8">
-                  <c:v>595700</c:v>
-                </c:pt>
-                <c:pt idx="9">
-                  <c:v>4178871</c:v>
-                </c:pt>
-                <c:pt idx="10">
-                  <c:v>200714</c:v>
-                </c:pt>
-                <c:pt idx="11">
-                  <c:v>4955</c:v>
-                </c:pt>
-                <c:pt idx="12">
-                  <c:v>8186871</c:v>
-                </c:pt>
-                <c:pt idx="13">
-                  <c:v>216700</c:v>
-                </c:pt>
-                <c:pt idx="14">
-                  <c:v>23690</c:v>
-                </c:pt>
-                <c:pt idx="15">
-                  <c:v>1258338</c:v>
-                </c:pt>
-                <c:pt idx="16">
-                  <c:v>790227</c:v>
-                </c:pt>
-              </c:numCache>
-            </c:numRef>
-          </c:val>
-          <c:smooth val="0"/>
-        </c:ser>
-        <c:ser>
-          <c:idx val="2"/>
-          <c:order val="2"/>
-          <c:tx>
-            <c:strRef>
-              <c:f>Analysis_time!$D$3</c:f>
-              <c:strCache>
-                <c:ptCount val="1"/>
-                <c:pt idx="0">
-                  <c:v>Sum of revenue</c:v>
-                </c:pt>
-              </c:strCache>
-            </c:strRef>
-          </c:tx>
-          <c:marker>
-            <c:symbol val="none"/>
-          </c:marker>
-          <c:cat>
-            <c:strRef>
-              <c:f>Analysis_time!$A$4:$A$21</c:f>
-              <c:strCache>
-                <c:ptCount val="17"/>
-                <c:pt idx="0">
-                  <c:v>1</c:v>
-                </c:pt>
-                <c:pt idx="1">
-                  <c:v>2</c:v>
-                </c:pt>
-                <c:pt idx="2">
-                  <c:v>3</c:v>
-                </c:pt>
-                <c:pt idx="3">
-                  <c:v>4</c:v>
-                </c:pt>
-                <c:pt idx="4">
-                  <c:v>5</c:v>
-                </c:pt>
-                <c:pt idx="5">
-                  <c:v>6</c:v>
-                </c:pt>
-                <c:pt idx="6">
-                  <c:v>7</c:v>
-                </c:pt>
-                <c:pt idx="7">
-                  <c:v>8</c:v>
-                </c:pt>
-                <c:pt idx="8">
-                  <c:v>9</c:v>
-                </c:pt>
-                <c:pt idx="9">
-                  <c:v>10</c:v>
-                </c:pt>
-                <c:pt idx="10">
-                  <c:v>11</c:v>
-                </c:pt>
-                <c:pt idx="11">
-                  <c:v>12</c:v>
-                </c:pt>
-                <c:pt idx="12">
-                  <c:v>13</c:v>
-                </c:pt>
-                <c:pt idx="13">
-                  <c:v>14</c:v>
-                </c:pt>
-                <c:pt idx="14">
-                  <c:v>15</c:v>
-                </c:pt>
-                <c:pt idx="15">
-                  <c:v>16</c:v>
-                </c:pt>
-                <c:pt idx="16">
-                  <c:v>18</c:v>
-                </c:pt>
-              </c:strCache>
-            </c:strRef>
-          </c:cat>
-          <c:val>
-            <c:numRef>
-              <c:f>Analysis_time!$D$4:$D$21</c:f>
-              <c:numCache>
-                <c:formatCode>0.00</c:formatCode>
-                <c:ptCount val="17"/>
-                <c:pt idx="0">
-                  <c:v>842.28959999999847</c:v>
-                </c:pt>
-                <c:pt idx="1">
-                  <c:v>125.36500000000008</c:v>
-                </c:pt>
-                <c:pt idx="2">
-                  <c:v>173.87600000000091</c:v>
-                </c:pt>
-                <c:pt idx="3">
-                  <c:v>1755.8939999999918</c:v>
-                </c:pt>
-                <c:pt idx="4">
-                  <c:v>74.275000000000063</c:v>
-                </c:pt>
-                <c:pt idx="5">
-                  <c:v>44.440000000000019</c:v>
-                </c:pt>
-                <c:pt idx="6">
-                  <c:v>27.559999999999992</c:v>
-                </c:pt>
-                <c:pt idx="7">
-                  <c:v>155.18000000000021</c:v>
-                </c:pt>
-                <c:pt idx="8">
-                  <c:v>90.27999999999993</c:v>
-                </c:pt>
-                <c:pt idx="9">
-                  <c:v>357.75000000000148</c:v>
-                </c:pt>
-                <c:pt idx="10">
-                  <c:v>169.16000000000008</c:v>
-                </c:pt>
-                <c:pt idx="11">
-                  <c:v>43.140000000000015</c:v>
-                </c:pt>
-                <c:pt idx="12">
-                  <c:v>1168.1999999999935</c:v>
-                </c:pt>
-                <c:pt idx="13">
-                  <c:v>311.39000000000016</c:v>
-                </c:pt>
-                <c:pt idx="14">
-                  <c:v>43.269999999999996</c:v>
-                </c:pt>
-                <c:pt idx="15">
-                  <c:v>624.83000000000038</c:v>
-                </c:pt>
-                <c:pt idx="16">
-                  <c:v>121.19999999999996</c:v>
-                </c:pt>
-              </c:numCache>
-            </c:numRef>
-          </c:val>
-          <c:smooth val="0"/>
-        </c:ser>
-        <c:dLbls>
-          <c:showLegendKey val="0"/>
-          <c:showVal val="0"/>
-          <c:showCatName val="0"/>
-          <c:showSerName val="0"/>
-          <c:showPercent val="0"/>
-          <c:showBubbleSize val="0"/>
-        </c:dLbls>
-        <c:marker val="1"/>
-        <c:smooth val="0"/>
-        <c:axId val="47219072"/>
-        <c:axId val="47220608"/>
-      </c:lineChart>
-      <c:catAx>
-        <c:axId val="47219072"/>
-        <c:scaling>
-          <c:orientation val="minMax"/>
-        </c:scaling>
-        <c:delete val="0"/>
-        <c:axPos val="b"/>
-        <c:majorTickMark val="out"/>
-        <c:minorTickMark val="none"/>
-        <c:tickLblPos val="nextTo"/>
-        <c:txPr>
-          <a:bodyPr/>
-          <a:lstStyle/>
-          <a:p>
-            <a:pPr>
-              <a:defRPr sz="1400" baseline="0">
-                <a:latin typeface="HelveticaNeue" pitchFamily="2" charset="0"/>
-              </a:defRPr>
-            </a:pPr>
-            <a:endParaRPr lang="en-US"/>
-          </a:p>
-        </c:txPr>
-        <c:crossAx val="47220608"/>
-        <c:crosses val="autoZero"/>
-        <c:auto val="1"/>
-        <c:lblAlgn val="ctr"/>
-        <c:lblOffset val="100"/>
-        <c:noMultiLvlLbl val="0"/>
-      </c:catAx>
-      <c:valAx>
-        <c:axId val="47220608"/>
-        <c:scaling>
-          <c:orientation val="minMax"/>
-        </c:scaling>
-        <c:delete val="0"/>
-        <c:axPos val="l"/>
-        <c:majorGridlines/>
-        <c:numFmt formatCode="General" sourceLinked="1"/>
-        <c:majorTickMark val="out"/>
-        <c:minorTickMark val="none"/>
-        <c:tickLblPos val="nextTo"/>
-        <c:txPr>
-          <a:bodyPr/>
-          <a:lstStyle/>
-          <a:p>
-            <a:pPr>
-              <a:defRPr sz="1400" b="0" baseline="0">
-                <a:latin typeface="HelveticaNeue" pitchFamily="2" charset="0"/>
-              </a:defRPr>
-            </a:pPr>
-            <a:endParaRPr lang="en-US"/>
-          </a:p>
-        </c:txPr>
-        <c:crossAx val="47219072"/>
-        <c:crosses val="autoZero"/>
-        <c:crossBetween val="between"/>
-        <c:majorUnit val="500000"/>
-      </c:valAx>
-    </c:plotArea>
-    <c:legend>
-      <c:legendPos val="r"/>
-      <c:layout>
-        <c:manualLayout>
-          <c:xMode val="edge"/>
-          <c:yMode val="edge"/>
-          <c:x val="0.79581667676155865"/>
-          <c:y val="7.236686090343103E-2"/>
-          <c:w val="0.19296537452049264"/>
-          <c:h val="0.54310687583988027"/>
-        </c:manualLayout>
-      </c:layout>
-      <c:overlay val="0"/>
-      <c:txPr>
-        <a:bodyPr/>
-        <a:lstStyle/>
-        <a:p>
-          <a:pPr>
-            <a:defRPr sz="1500" b="1" baseline="0">
-              <a:latin typeface="HelveticaNeue" pitchFamily="2" charset="0"/>
-            </a:defRPr>
-          </a:pPr>
-          <a:endParaRPr lang="en-US"/>
-        </a:p>
-      </c:txPr>
-    </c:legend>
-    <c:plotVisOnly val="1"/>
-    <c:dispBlanksAs val="gap"/>
-    <c:showDLblsOverMax val="0"/>
-  </c:chart>
-  <c:externalData r:id="rId1">
-    <c:autoUpdate val="0"/>
-  </c:externalData>
-  <c:extLst>
-    <c:ext xmlns:c14="http://schemas.microsoft.com/office/drawing/2007/8/2/chart" uri="{781A3756-C4B2-4CAC-9D66-4F8BD8637D16}">
-      <c14:pivotOptions>
-        <c14:dropZoneFilter val="1"/>
-        <c14:dropZoneCategories val="1"/>
-        <c14:dropZoneData val="1"/>
-        <c14:dropZoneSeries val="1"/>
-        <c14:dropZonesVisible val="1"/>
-      </c14:pivotOptions>
-    </c:ext>
-  </c:extLst>
-</c:chartSpace>
 </file>
 
 <file path=ppt/slideLayouts/slideLayout1.xml><?xml version="1.0" encoding="utf-8"?>
@@ -3737,7 +3112,7 @@
         <p:spPr>
           <a:xfrm>
             <a:off x="1447800" y="2667000"/>
-            <a:ext cx="6400800" cy="861774"/>
+            <a:ext cx="6400800" cy="477054"/>
           </a:xfrm>
           <a:prstGeom prst="rect">
             <a:avLst/>
@@ -3752,29 +3127,18 @@
           <a:p>
             <a:pPr algn="ctr"/>
             <a:r>
-              <a:rPr lang="en-US" sz="2500" b="1" dirty="0" err="1" smtClean="0">
+              <a:rPr lang="en-US" sz="2500" b="1" dirty="0" smtClean="0">
                 <a:latin typeface="HelveticaNeue" pitchFamily="2" charset="0"/>
               </a:rPr>
-              <a:t>GreedyGame</a:t>
-            </a:r>
-            <a:r>
-              <a:rPr lang="en-US" sz="2500" dirty="0" smtClean="0">
+              <a:t>Revenue </a:t>
+            </a:r>
+            <a:r>
+              <a:rPr lang="en-US" sz="2500" b="1" dirty="0" smtClean="0">
                 <a:latin typeface="HelveticaNeue" pitchFamily="2" charset="0"/>
               </a:rPr>
-              <a:t/>
-            </a:r>
-            <a:br>
-              <a:rPr lang="en-US" sz="2500" dirty="0" smtClean="0">
-                <a:latin typeface="HelveticaNeue" pitchFamily="2" charset="0"/>
-              </a:rPr>
-            </a:br>
-            <a:r>
-              <a:rPr lang="en-US" sz="2500" dirty="0" smtClean="0">
-                <a:latin typeface="HelveticaNeue" pitchFamily="2" charset="0"/>
-              </a:rPr>
-              <a:t>Revenue optimization</a:t>
-            </a:r>
-            <a:endParaRPr lang="en-US" sz="2500" dirty="0">
+              <a:t>optimization</a:t>
+            </a:r>
+            <a:endParaRPr lang="en-US" sz="2500" b="1" dirty="0">
               <a:latin typeface="HelveticaNeue" pitchFamily="2" charset="0"/>
             </a:endParaRPr>
           </a:p>
@@ -4337,7 +3701,13 @@
               <a:rPr lang="en-US" dirty="0" smtClean="0">
                 <a:latin typeface="HelveticaNeue" pitchFamily="2" charset="0"/>
               </a:rPr>
-              <a:t> industry standard: </a:t>
+              <a:t> industry </a:t>
+            </a:r>
+            <a:r>
+              <a:rPr lang="en-US" dirty="0" smtClean="0">
+                <a:latin typeface="HelveticaNeue" pitchFamily="2" charset="0"/>
+              </a:rPr>
+              <a:t>standard(FB ads): </a:t>
             </a:r>
             <a:r>
               <a:rPr lang="en-US" b="1" dirty="0" smtClean="0">
@@ -4361,8 +3731,17 @@
               <a:rPr lang="en-US" b="1" dirty="0" smtClean="0">
                 <a:latin typeface="HelveticaNeue" pitchFamily="2" charset="0"/>
               </a:rPr>
-              <a:t>0.9%</a:t>
-            </a:r>
+              <a:t>0.9</a:t>
+            </a:r>
+            <a:r>
+              <a:rPr lang="en-US" b="1" dirty="0" smtClean="0">
+                <a:latin typeface="HelveticaNeue" pitchFamily="2" charset="0"/>
+              </a:rPr>
+              <a:t>%*</a:t>
+            </a:r>
+            <a:endParaRPr lang="en-US" b="1" dirty="0" smtClean="0">
+              <a:latin typeface="HelveticaNeue" pitchFamily="2" charset="0"/>
+            </a:endParaRPr>
           </a:p>
           <a:p>
             <a:pPr marL="285750" indent="-285750">
@@ -4445,13 +3824,7 @@
               <a:rPr lang="en-US" dirty="0" smtClean="0">
                 <a:latin typeface="HelveticaNeue" pitchFamily="2" charset="0"/>
               </a:rPr>
-              <a:t> than revenue from game ID 43346372, even though the CTR of </a:t>
-            </a:r>
-            <a:r>
-              <a:rPr lang="en-US" dirty="0" smtClean="0">
-                <a:latin typeface="HelveticaNeue" pitchFamily="2" charset="0"/>
-              </a:rPr>
-              <a:t>game ID 32359233 is </a:t>
+              <a:t> than revenue from game ID 43346372, even though the CTR of game ID 32359233 is </a:t>
             </a:r>
             <a:r>
               <a:rPr lang="en-US" b="1" dirty="0" smtClean="0">
@@ -4539,11 +3912,25 @@
             </a:endParaRPr>
           </a:p>
           <a:p>
-            <a:pPr marL="285750" indent="-285750">
-              <a:buFont typeface="Arial" pitchFamily="34" charset="0"/>
-              <a:buChar char="•"/>
-            </a:pPr>
-            <a:endParaRPr lang="en-US" dirty="0">
+            <a:r>
+              <a:rPr lang="en-US" sz="1000" dirty="0">
+                <a:latin typeface="HelveticaNeue" pitchFamily="2" charset="0"/>
+              </a:rPr>
+              <a:t>*</a:t>
+            </a:r>
+            <a:r>
+              <a:rPr lang="en-US" sz="1400" dirty="0">
+                <a:latin typeface="HelveticaNeue" pitchFamily="2" charset="0"/>
+              </a:rPr>
+              <a:t>https://</a:t>
+            </a:r>
+            <a:r>
+              <a:rPr lang="en-US" sz="1400" dirty="0" smtClean="0">
+                <a:latin typeface="HelveticaNeue" pitchFamily="2" charset="0"/>
+              </a:rPr>
+              <a:t>instapage.com/blog/key-advertising-metrics </a:t>
+            </a:r>
+            <a:endParaRPr lang="en-US" sz="1400" dirty="0">
               <a:latin typeface="HelveticaNeue" pitchFamily="2" charset="0"/>
             </a:endParaRPr>
           </a:p>
@@ -4733,7 +4120,7 @@
         <p:spPr>
           <a:xfrm>
             <a:off x="457200" y="381000"/>
-            <a:ext cx="6781800" cy="477054"/>
+            <a:ext cx="1524000" cy="477054"/>
           </a:xfrm>
           <a:prstGeom prst="rect">
             <a:avLst/>
@@ -4911,7 +4298,7 @@
         </p:nvSpPr>
         <p:spPr>
           <a:xfrm>
-            <a:off x="1524000" y="6096000"/>
+            <a:off x="2133600" y="6096000"/>
             <a:ext cx="5105400" cy="369332"/>
           </a:xfrm>
           <a:prstGeom prst="rect">
@@ -4938,40 +4325,16 @@
           </a:p>
         </p:txBody>
       </p:sp>
-      <p:graphicFrame>
-        <p:nvGraphicFramePr>
-          <p:cNvPr id="8" name="Chart 7"/>
-          <p:cNvGraphicFramePr>
-            <a:graphicFrameLocks/>
-          </p:cNvGraphicFramePr>
-          <p:nvPr>
-            <p:extLst>
-              <p:ext uri="{D42A27DB-BD31-4B8C-83A1-F6EECF244321}">
-                <p14:modId xmlns:p14="http://schemas.microsoft.com/office/powerpoint/2010/main" val="3809237721"/>
-              </p:ext>
-            </p:extLst>
-          </p:nvPr>
-        </p:nvGraphicFramePr>
-        <p:xfrm>
-          <a:off x="457200" y="858054"/>
-          <a:ext cx="7924800" cy="5085546"/>
-        </p:xfrm>
-        <a:graphic>
-          <a:graphicData uri="http://schemas.openxmlformats.org/drawingml/2006/chart">
-            <c:chart xmlns:c="http://schemas.openxmlformats.org/drawingml/2006/chart" xmlns:r="http://schemas.openxmlformats.org/officeDocument/2006/relationships" r:id="rId2"/>
-          </a:graphicData>
-        </a:graphic>
-      </p:graphicFrame>
       <p:pic>
         <p:nvPicPr>
-          <p:cNvPr id="6146" name="Picture 2"/>
+          <p:cNvPr id="1027" name="Picture 3"/>
           <p:cNvPicPr>
             <a:picLocks noChangeAspect="1" noChangeArrowheads="1"/>
           </p:cNvPicPr>
           <p:nvPr/>
         </p:nvPicPr>
         <p:blipFill>
-          <a:blip r:embed="rId3">
+          <a:blip r:embed="rId2">
             <a:extLst>
               <a:ext uri="{28A0092B-C50C-407E-A947-70E740481C1C}">
                 <a14:useLocalDpi xmlns:a14="http://schemas.microsoft.com/office/drawing/2010/main" val="0"/>
@@ -4985,8 +4348,8 @@
         </p:blipFill>
         <p:spPr bwMode="auto">
           <a:xfrm>
-            <a:off x="457200" y="838200"/>
-            <a:ext cx="7924800" cy="5089525"/>
+            <a:off x="609601" y="1008471"/>
+            <a:ext cx="8315694" cy="5087529"/>
           </a:xfrm>
           <a:prstGeom prst="rect">
             <a:avLst/>
@@ -5244,7 +4607,7 @@
         <p:spPr>
           <a:xfrm>
             <a:off x="589871" y="858054"/>
-            <a:ext cx="8096930" cy="1754326"/>
+            <a:ext cx="8096930" cy="2308324"/>
           </a:xfrm>
           <a:prstGeom prst="rect">
             <a:avLst/>
@@ -5273,8 +4636,23 @@
             </a:pPr>
             <a:r>
               <a:rPr lang="en-US" dirty="0" smtClean="0"/>
-              <a:t>There is a sharp decline in the number of requests , impressions and clicks after 15:00hrs leading to decline in revenue.</a:t>
-            </a:r>
+              <a:t>There is a sharp decline in the number of requests , impressions and clicks after 15:00hrs leading to decline in revenue</a:t>
+            </a:r>
+            <a:r>
+              <a:rPr lang="en-US" dirty="0" smtClean="0"/>
+              <a:t>.</a:t>
+            </a:r>
+          </a:p>
+          <a:p>
+            <a:pPr marL="285750" indent="-285750">
+              <a:buFont typeface="Arial" pitchFamily="34" charset="0"/>
+              <a:buChar char="•"/>
+            </a:pPr>
+            <a:r>
+              <a:rPr lang="en-US" dirty="0" smtClean="0"/>
+              <a:t>The requests, impressions and clicks are strongly correlated as shown in the previous chart, with more number of clicks after 06:00hrs</a:t>
+            </a:r>
+            <a:endParaRPr lang="en-US" dirty="0" smtClean="0"/>
           </a:p>
           <a:p>
             <a:pPr marL="285750" indent="-285750">
@@ -5287,7 +4665,7 @@
       </p:sp>
       <p:pic>
         <p:nvPicPr>
-          <p:cNvPr id="7173" name="Picture 5"/>
+          <p:cNvPr id="3074" name="Picture 2"/>
           <p:cNvPicPr>
             <a:picLocks noChangeAspect="1" noChangeArrowheads="1"/>
           </p:cNvPicPr>
@@ -5308,8 +4686,8 @@
         </p:blipFill>
         <p:spPr bwMode="auto">
           <a:xfrm>
-            <a:off x="914400" y="2389188"/>
-            <a:ext cx="6858000" cy="4284396"/>
+            <a:off x="1524001" y="2821399"/>
+            <a:ext cx="6477000" cy="4090837"/>
           </a:xfrm>
           <a:prstGeom prst="rect">
             <a:avLst/>
@@ -5405,7 +4783,7 @@
               <a:rPr lang="en-US" sz="2500" b="1" dirty="0" smtClean="0">
                 <a:latin typeface="HelveticaNeue" pitchFamily="2" charset="0"/>
               </a:rPr>
-              <a:t>Linear Model</a:t>
+              <a:t>Analysis</a:t>
             </a:r>
             <a:endParaRPr lang="en-US" sz="2500" b="1" dirty="0">
               <a:latin typeface="HelveticaNeue" pitchFamily="2" charset="0"/>
@@ -5558,6 +4936,407 @@
           </a:p>
         </p:txBody>
       </p:sp>
+      <p:pic>
+        <p:nvPicPr>
+          <p:cNvPr id="2050" name="Picture 2"/>
+          <p:cNvPicPr>
+            <a:picLocks noChangeAspect="1" noChangeArrowheads="1"/>
+          </p:cNvPicPr>
+          <p:nvPr/>
+        </p:nvPicPr>
+        <p:blipFill>
+          <a:blip r:embed="rId2">
+            <a:extLst>
+              <a:ext uri="{28A0092B-C50C-407E-A947-70E740481C1C}">
+                <a14:useLocalDpi xmlns:a14="http://schemas.microsoft.com/office/drawing/2010/main" val="0"/>
+              </a:ext>
+            </a:extLst>
+          </a:blip>
+          <a:srcRect/>
+          <a:stretch>
+            <a:fillRect/>
+          </a:stretch>
+        </p:blipFill>
+        <p:spPr bwMode="auto">
+          <a:xfrm>
+            <a:off x="76200" y="838200"/>
+            <a:ext cx="4343400" cy="2924024"/>
+          </a:xfrm>
+          <a:prstGeom prst="rect">
+            <a:avLst/>
+          </a:prstGeom>
+          <a:noFill/>
+          <a:ln>
+            <a:noFill/>
+          </a:ln>
+          <a:effectLst/>
+          <a:extLst>
+            <a:ext uri="{909E8E84-426E-40DD-AFC4-6F175D3DCCD1}">
+              <a14:hiddenFill xmlns:a14="http://schemas.microsoft.com/office/drawing/2010/main">
+                <a:solidFill>
+                  <a:schemeClr val="accent1"/>
+                </a:solidFill>
+              </a14:hiddenFill>
+            </a:ext>
+            <a:ext uri="{91240B29-F687-4F45-9708-019B960494DF}">
+              <a14:hiddenLine xmlns:a14="http://schemas.microsoft.com/office/drawing/2010/main" w="9525">
+                <a:solidFill>
+                  <a:schemeClr val="tx1"/>
+                </a:solidFill>
+                <a:miter lim="800000"/>
+                <a:headEnd/>
+                <a:tailEnd/>
+              </a14:hiddenLine>
+            </a:ext>
+            <a:ext uri="{AF507438-7753-43E0-B8FC-AC1667EBCBE1}">
+              <a14:hiddenEffects xmlns:a14="http://schemas.microsoft.com/office/drawing/2010/main">
+                <a:effectLst>
+                  <a:outerShdw dist="35921" dir="2700000" algn="ctr" rotWithShape="0">
+                    <a:schemeClr val="bg2"/>
+                  </a:outerShdw>
+                </a:effectLst>
+              </a14:hiddenEffects>
+            </a:ext>
+          </a:extLst>
+        </p:spPr>
+      </p:pic>
+      <p:pic>
+        <p:nvPicPr>
+          <p:cNvPr id="2051" name="Picture 3"/>
+          <p:cNvPicPr>
+            <a:picLocks noChangeAspect="1" noChangeArrowheads="1"/>
+          </p:cNvPicPr>
+          <p:nvPr/>
+        </p:nvPicPr>
+        <p:blipFill>
+          <a:blip r:embed="rId3">
+            <a:extLst>
+              <a:ext uri="{28A0092B-C50C-407E-A947-70E740481C1C}">
+                <a14:useLocalDpi xmlns:a14="http://schemas.microsoft.com/office/drawing/2010/main" val="0"/>
+              </a:ext>
+            </a:extLst>
+          </a:blip>
+          <a:srcRect/>
+          <a:stretch>
+            <a:fillRect/>
+          </a:stretch>
+        </p:blipFill>
+        <p:spPr bwMode="auto">
+          <a:xfrm>
+            <a:off x="4419600" y="838200"/>
+            <a:ext cx="4700994" cy="2924024"/>
+          </a:xfrm>
+          <a:prstGeom prst="rect">
+            <a:avLst/>
+          </a:prstGeom>
+          <a:noFill/>
+          <a:ln>
+            <a:noFill/>
+          </a:ln>
+          <a:effectLst/>
+          <a:extLst>
+            <a:ext uri="{909E8E84-426E-40DD-AFC4-6F175D3DCCD1}">
+              <a14:hiddenFill xmlns:a14="http://schemas.microsoft.com/office/drawing/2010/main">
+                <a:solidFill>
+                  <a:schemeClr val="accent1"/>
+                </a:solidFill>
+              </a14:hiddenFill>
+            </a:ext>
+            <a:ext uri="{91240B29-F687-4F45-9708-019B960494DF}">
+              <a14:hiddenLine xmlns:a14="http://schemas.microsoft.com/office/drawing/2010/main" w="9525">
+                <a:solidFill>
+                  <a:schemeClr val="tx1"/>
+                </a:solidFill>
+                <a:miter lim="800000"/>
+                <a:headEnd/>
+                <a:tailEnd/>
+              </a14:hiddenLine>
+            </a:ext>
+            <a:ext uri="{AF507438-7753-43E0-B8FC-AC1667EBCBE1}">
+              <a14:hiddenEffects xmlns:a14="http://schemas.microsoft.com/office/drawing/2010/main">
+                <a:effectLst>
+                  <a:outerShdw dist="35921" dir="2700000" algn="ctr" rotWithShape="0">
+                    <a:schemeClr val="bg2"/>
+                  </a:outerShdw>
+                </a:effectLst>
+              </a14:hiddenEffects>
+            </a:ext>
+          </a:extLst>
+        </p:spPr>
+      </p:pic>
+      <p:pic>
+        <p:nvPicPr>
+          <p:cNvPr id="2052" name="Picture 4"/>
+          <p:cNvPicPr>
+            <a:picLocks noChangeAspect="1" noChangeArrowheads="1"/>
+          </p:cNvPicPr>
+          <p:nvPr/>
+        </p:nvPicPr>
+        <p:blipFill>
+          <a:blip r:embed="rId4">
+            <a:extLst>
+              <a:ext uri="{28A0092B-C50C-407E-A947-70E740481C1C}">
+                <a14:useLocalDpi xmlns:a14="http://schemas.microsoft.com/office/drawing/2010/main" val="0"/>
+              </a:ext>
+            </a:extLst>
+          </a:blip>
+          <a:srcRect/>
+          <a:stretch>
+            <a:fillRect/>
+          </a:stretch>
+        </p:blipFill>
+        <p:spPr bwMode="auto">
+          <a:xfrm>
+            <a:off x="2057400" y="3792298"/>
+            <a:ext cx="4800600" cy="2989502"/>
+          </a:xfrm>
+          <a:prstGeom prst="rect">
+            <a:avLst/>
+          </a:prstGeom>
+          <a:noFill/>
+          <a:ln>
+            <a:noFill/>
+          </a:ln>
+          <a:effectLst/>
+          <a:extLst>
+            <a:ext uri="{909E8E84-426E-40DD-AFC4-6F175D3DCCD1}">
+              <a14:hiddenFill xmlns:a14="http://schemas.microsoft.com/office/drawing/2010/main">
+                <a:solidFill>
+                  <a:schemeClr val="accent1"/>
+                </a:solidFill>
+              </a14:hiddenFill>
+            </a:ext>
+            <a:ext uri="{91240B29-F687-4F45-9708-019B960494DF}">
+              <a14:hiddenLine xmlns:a14="http://schemas.microsoft.com/office/drawing/2010/main" w="9525">
+                <a:solidFill>
+                  <a:schemeClr val="tx1"/>
+                </a:solidFill>
+                <a:miter lim="800000"/>
+                <a:headEnd/>
+                <a:tailEnd/>
+              </a14:hiddenLine>
+            </a:ext>
+            <a:ext uri="{AF507438-7753-43E0-B8FC-AC1667EBCBE1}">
+              <a14:hiddenEffects xmlns:a14="http://schemas.microsoft.com/office/drawing/2010/main">
+                <a:effectLst>
+                  <a:outerShdw dist="35921" dir="2700000" algn="ctr" rotWithShape="0">
+                    <a:schemeClr val="bg2"/>
+                  </a:outerShdw>
+                </a:effectLst>
+              </a14:hiddenEffects>
+            </a:ext>
+          </a:extLst>
+        </p:spPr>
+      </p:pic>
+    </p:spTree>
+    <p:extLst>
+      <p:ext uri="{BB962C8B-B14F-4D97-AF65-F5344CB8AC3E}">
+        <p14:creationId xmlns:p14="http://schemas.microsoft.com/office/powerpoint/2010/main" val="3582818230"/>
+      </p:ext>
+    </p:extLst>
+  </p:cSld>
+  <p:clrMapOvr>
+    <a:masterClrMapping/>
+  </p:clrMapOvr>
+</p:sld>
+</file>
+
+<file path=ppt/slides/slide7.xml><?xml version="1.0" encoding="utf-8"?>
+<p:sld xmlns:a="http://schemas.openxmlformats.org/drawingml/2006/main" xmlns:r="http://schemas.openxmlformats.org/officeDocument/2006/relationships" xmlns:p="http://schemas.openxmlformats.org/presentationml/2006/main">
+  <p:cSld>
+    <p:spTree>
+      <p:nvGrpSpPr>
+        <p:cNvPr id="1" name=""/>
+        <p:cNvGrpSpPr/>
+        <p:nvPr/>
+      </p:nvGrpSpPr>
+      <p:grpSpPr>
+        <a:xfrm>
+          <a:off x="0" y="0"/>
+          <a:ext cx="0" cy="0"/>
+          <a:chOff x="0" y="0"/>
+          <a:chExt cx="0" cy="0"/>
+        </a:xfrm>
+      </p:grpSpPr>
+      <p:sp>
+        <p:nvSpPr>
+          <p:cNvPr id="4" name="TextBox 3"/>
+          <p:cNvSpPr txBox="1"/>
+          <p:nvPr/>
+        </p:nvSpPr>
+        <p:spPr>
+          <a:xfrm>
+            <a:off x="457200" y="381000"/>
+            <a:ext cx="6781800" cy="477054"/>
+          </a:xfrm>
+          <a:prstGeom prst="rect">
+            <a:avLst/>
+          </a:prstGeom>
+          <a:noFill/>
+        </p:spPr>
+        <p:txBody>
+          <a:bodyPr wrap="square" rtlCol="0">
+            <a:spAutoFit/>
+          </a:bodyPr>
+          <a:lstStyle/>
+          <a:p>
+            <a:r>
+              <a:rPr lang="en-US" sz="2500" b="1" dirty="0" smtClean="0">
+                <a:latin typeface="HelveticaNeue" pitchFamily="2" charset="0"/>
+              </a:rPr>
+              <a:t>Linear Model</a:t>
+            </a:r>
+            <a:endParaRPr lang="en-US" sz="2500" b="1" dirty="0">
+              <a:latin typeface="HelveticaNeue" pitchFamily="2" charset="0"/>
+            </a:endParaRPr>
+          </a:p>
+        </p:txBody>
+      </p:sp>
+      <p:sp>
+        <p:nvSpPr>
+          <p:cNvPr id="7" name="Rectangle 1"/>
+          <p:cNvSpPr>
+            <a:spLocks noChangeArrowheads="1"/>
+          </p:cNvSpPr>
+          <p:nvPr/>
+        </p:nvSpPr>
+        <p:spPr bwMode="auto">
+          <a:xfrm>
+            <a:off x="3724275" y="2389188"/>
+            <a:ext cx="9144000" cy="0"/>
+          </a:xfrm>
+          <a:prstGeom prst="rect">
+            <a:avLst/>
+          </a:prstGeom>
+          <a:noFill/>
+          <a:ln>
+            <a:noFill/>
+          </a:ln>
+          <a:effectLst/>
+          <a:extLst>
+            <a:ext uri="{909E8E84-426E-40DD-AFC4-6F175D3DCCD1}">
+              <a14:hiddenFill xmlns:a14="http://schemas.microsoft.com/office/drawing/2010/main">
+                <a:solidFill>
+                  <a:schemeClr val="accent1"/>
+                </a:solidFill>
+              </a14:hiddenFill>
+            </a:ext>
+            <a:ext uri="{91240B29-F687-4F45-9708-019B960494DF}">
+              <a14:hiddenLine xmlns:a14="http://schemas.microsoft.com/office/drawing/2010/main" w="9525">
+                <a:solidFill>
+                  <a:schemeClr val="tx1"/>
+                </a:solidFill>
+                <a:miter lim="800000"/>
+                <a:headEnd/>
+                <a:tailEnd/>
+              </a14:hiddenLine>
+            </a:ext>
+            <a:ext uri="{AF507438-7753-43E0-B8FC-AC1667EBCBE1}">
+              <a14:hiddenEffects xmlns:a14="http://schemas.microsoft.com/office/drawing/2010/main">
+                <a:effectLst>
+                  <a:outerShdw dist="35921" dir="2700000" algn="ctr" rotWithShape="0">
+                    <a:schemeClr val="bg2"/>
+                  </a:outerShdw>
+                </a:effectLst>
+              </a14:hiddenEffects>
+            </a:ext>
+          </a:extLst>
+        </p:spPr>
+        <p:txBody>
+          <a:bodyPr vert="horz" wrap="none" lIns="91440" tIns="45720" rIns="91440" bIns="45720" numCol="1" anchor="ctr" anchorCtr="0" compatLnSpc="1">
+            <a:prstTxWarp prst="textNoShape">
+              <a:avLst/>
+            </a:prstTxWarp>
+            <a:spAutoFit/>
+          </a:bodyPr>
+          <a:lstStyle/>
+          <a:p>
+            <a:pPr marL="0" marR="0" lvl="0" indent="0" algn="l" defTabSz="914400" rtl="0" eaLnBrk="1" fontAlgn="base" latinLnBrk="0" hangingPunct="1">
+              <a:lnSpc>
+                <a:spcPct val="100000"/>
+              </a:lnSpc>
+              <a:spcBef>
+                <a:spcPct val="0"/>
+              </a:spcBef>
+              <a:spcAft>
+                <a:spcPct val="0"/>
+              </a:spcAft>
+              <a:buClrTx/>
+              <a:buSzTx/>
+              <a:buFontTx/>
+              <a:buNone/>
+              <a:tabLst/>
+            </a:pPr>
+            <a:r>
+              <a:rPr kumimoji="0" lang="en-US" sz="1800" b="0" i="0" u="none" strike="noStrike" cap="none" normalizeH="0" baseline="0" smtClean="0">
+                <a:ln>
+                  <a:noFill/>
+                </a:ln>
+                <a:solidFill>
+                  <a:schemeClr val="tx1"/>
+                </a:solidFill>
+                <a:effectLst/>
+                <a:latin typeface="Arial" pitchFamily="34" charset="0"/>
+                <a:cs typeface="Arial" pitchFamily="34" charset="0"/>
+              </a:rPr>
+              <a:t/>
+            </a:r>
+            <a:br>
+              <a:rPr kumimoji="0" lang="en-US" sz="1800" b="0" i="0" u="none" strike="noStrike" cap="none" normalizeH="0" baseline="0" smtClean="0">
+                <a:ln>
+                  <a:noFill/>
+                </a:ln>
+                <a:solidFill>
+                  <a:schemeClr val="tx1"/>
+                </a:solidFill>
+                <a:effectLst/>
+                <a:latin typeface="Arial" pitchFamily="34" charset="0"/>
+                <a:cs typeface="Arial" pitchFamily="34" charset="0"/>
+              </a:rPr>
+            </a:br>
+            <a:endParaRPr kumimoji="0" lang="en-US" sz="1800" b="0" i="0" u="none" strike="noStrike" cap="none" normalizeH="0" baseline="0" smtClean="0">
+              <a:ln>
+                <a:noFill/>
+              </a:ln>
+              <a:solidFill>
+                <a:schemeClr val="tx1"/>
+              </a:solidFill>
+              <a:effectLst/>
+              <a:latin typeface="Arial" pitchFamily="34" charset="0"/>
+              <a:cs typeface="Arial" pitchFamily="34" charset="0"/>
+            </a:endParaRPr>
+          </a:p>
+          <a:p>
+            <a:pPr marL="0" marR="0" lvl="0" indent="0" algn="l" defTabSz="914400" rtl="0" eaLnBrk="0" fontAlgn="base" latinLnBrk="0" hangingPunct="0">
+              <a:lnSpc>
+                <a:spcPct val="100000"/>
+              </a:lnSpc>
+              <a:spcBef>
+                <a:spcPct val="0"/>
+              </a:spcBef>
+              <a:spcAft>
+                <a:spcPct val="0"/>
+              </a:spcAft>
+              <a:buClrTx/>
+              <a:buSzTx/>
+              <a:buFontTx/>
+              <a:buNone/>
+              <a:tabLst/>
+            </a:pPr>
+            <a:endParaRPr kumimoji="0" lang="en-US" sz="1800" b="0" i="0" u="none" strike="noStrike" cap="none" normalizeH="0" baseline="0" smtClean="0">
+              <a:ln>
+                <a:noFill/>
+              </a:ln>
+              <a:solidFill>
+                <a:schemeClr val="tx1"/>
+              </a:solidFill>
+              <a:effectLst/>
+              <a:latin typeface="Arial" pitchFamily="34" charset="0"/>
+              <a:cs typeface="Arial" pitchFamily="34" charset="0"/>
+            </a:endParaRPr>
+          </a:p>
+        </p:txBody>
+      </p:sp>
       <p:sp>
         <p:nvSpPr>
           <p:cNvPr id="2" name="TextBox 1"/>
@@ -5635,7 +5414,7 @@
 </p:sld>
 </file>
 
-<file path=ppt/slides/slide7.xml><?xml version="1.0" encoding="utf-8"?>
+<file path=ppt/slides/slide8.xml><?xml version="1.0" encoding="utf-8"?>
 <p:sld xmlns:a="http://schemas.openxmlformats.org/drawingml/2006/main" xmlns:r="http://schemas.openxmlformats.org/officeDocument/2006/relationships" xmlns:p="http://schemas.openxmlformats.org/presentationml/2006/main">
   <p:cSld>
     <p:spTree>
@@ -5908,7 +5687,7 @@
 </p:sld>
 </file>
 
-<file path=ppt/slides/slide8.xml><?xml version="1.0" encoding="utf-8"?>
+<file path=ppt/slides/slide9.xml><?xml version="1.0" encoding="utf-8"?>
 <p:sld xmlns:a="http://schemas.openxmlformats.org/drawingml/2006/main" xmlns:r="http://schemas.openxmlformats.org/officeDocument/2006/relationships" xmlns:p="http://schemas.openxmlformats.org/presentationml/2006/main">
   <p:cSld>
     <p:spTree>
